--- a/Documentation/Presentation_Livraghi.pptx
+++ b/Documentation/Presentation_Livraghi.pptx
@@ -121,6 +121,11 @@
       </a:defRPr>
     </a:lvl9pPr>
   </p:defaultTextStyle>
+  <p:extLst>
+    <p:ext uri="{EFAFB233-063F-42B5-8137-9DF3F51BA10A}">
+      <p15:sldGuideLst xmlns:p15="http://schemas.microsoft.com/office/powerpoint/2012/main"/>
+    </p:ext>
+  </p:extLst>
 </p:presentation>
 </file>
 
@@ -206,7 +211,7 @@
           <a:p>
             <a:fld id="{91083BAD-6A9F-461D-81CB-B66E0466E26C}" type="datetimeFigureOut">
               <a:rPr lang="en-US" smtClean="0"/>
-              <a:t>9/3/2016</a:t>
+              <a:t>9/4/2016</a:t>
             </a:fld>
             <a:endParaRPr lang="en-US"/>
           </a:p>
@@ -605,7 +610,7 @@
           <a:p>
             <a:fld id="{CD21B5B3-039F-429B-99C7-2CD73848BA9F}" type="datetime1">
               <a:rPr lang="en-US" smtClean="0"/>
-              <a:t>9/3/2016</a:t>
+              <a:t>9/4/2016</a:t>
             </a:fld>
             <a:endParaRPr lang="en-US"/>
           </a:p>
@@ -775,7 +780,7 @@
           <a:p>
             <a:fld id="{F9F8E728-2569-4D94-88D5-45B756BBDC0A}" type="datetime1">
               <a:rPr lang="en-US" smtClean="0"/>
-              <a:t>9/3/2016</a:t>
+              <a:t>9/4/2016</a:t>
             </a:fld>
             <a:endParaRPr lang="en-US"/>
           </a:p>
@@ -955,7 +960,7 @@
           <a:p>
             <a:fld id="{6E851DE9-B89E-4DE2-8F1F-7636B1D7A646}" type="datetime1">
               <a:rPr lang="en-US" smtClean="0"/>
-              <a:t>9/3/2016</a:t>
+              <a:t>9/4/2016</a:t>
             </a:fld>
             <a:endParaRPr lang="en-US"/>
           </a:p>
@@ -1125,7 +1130,7 @@
           <a:p>
             <a:fld id="{1CBA3AE3-844A-4687-BB35-F0E83962B700}" type="datetime1">
               <a:rPr lang="en-US" smtClean="0"/>
-              <a:t>9/3/2016</a:t>
+              <a:t>9/4/2016</a:t>
             </a:fld>
             <a:endParaRPr lang="en-US"/>
           </a:p>
@@ -1371,7 +1376,7 @@
           <a:p>
             <a:fld id="{D956F8F8-CCC5-4FB5-885B-AF7CF2D52008}" type="datetime1">
               <a:rPr lang="en-US" smtClean="0"/>
-              <a:t>9/3/2016</a:t>
+              <a:t>9/4/2016</a:t>
             </a:fld>
             <a:endParaRPr lang="en-US"/>
           </a:p>
@@ -1603,7 +1608,7 @@
           <a:p>
             <a:fld id="{4F42D62B-8271-4E4B-A040-490B722A1E50}" type="datetime1">
               <a:rPr lang="en-US" smtClean="0"/>
-              <a:t>9/3/2016</a:t>
+              <a:t>9/4/2016</a:t>
             </a:fld>
             <a:endParaRPr lang="en-US"/>
           </a:p>
@@ -1970,7 +1975,7 @@
           <a:p>
             <a:fld id="{5B10584F-F6AB-40C4-A0C4-3B9E7CF7B2D3}" type="datetime1">
               <a:rPr lang="en-US" smtClean="0"/>
-              <a:t>9/3/2016</a:t>
+              <a:t>9/4/2016</a:t>
             </a:fld>
             <a:endParaRPr lang="en-US"/>
           </a:p>
@@ -2088,7 +2093,7 @@
           <a:p>
             <a:fld id="{4152AA1C-42D1-4E66-A81A-4CED565C438A}" type="datetime1">
               <a:rPr lang="en-US" smtClean="0"/>
-              <a:t>9/3/2016</a:t>
+              <a:t>9/4/2016</a:t>
             </a:fld>
             <a:endParaRPr lang="en-US"/>
           </a:p>
@@ -2183,7 +2188,7 @@
           <a:p>
             <a:fld id="{A38654EE-CA51-4CAB-81A3-915B4196B46A}" type="datetime1">
               <a:rPr lang="en-US" smtClean="0"/>
-              <a:t>9/3/2016</a:t>
+              <a:t>9/4/2016</a:t>
             </a:fld>
             <a:endParaRPr lang="en-US"/>
           </a:p>
@@ -2460,7 +2465,7 @@
           <a:p>
             <a:fld id="{0D96A17B-E3F7-4271-86D1-AAC93576A658}" type="datetime1">
               <a:rPr lang="en-US" smtClean="0"/>
-              <a:t>9/3/2016</a:t>
+              <a:t>9/4/2016</a:t>
             </a:fld>
             <a:endParaRPr lang="en-US"/>
           </a:p>
@@ -2713,7 +2718,7 @@
           <a:p>
             <a:fld id="{A86A9F43-4BB6-405C-957B-D236E6322BE8}" type="datetime1">
               <a:rPr lang="en-US" smtClean="0"/>
-              <a:t>9/3/2016</a:t>
+              <a:t>9/4/2016</a:t>
             </a:fld>
             <a:endParaRPr lang="en-US"/>
           </a:p>
@@ -2926,7 +2931,7 @@
           <a:p>
             <a:fld id="{083CF0BE-6E47-44E1-A749-E278485BAA87}" type="datetime1">
               <a:rPr lang="en-US" smtClean="0"/>
-              <a:t>9/3/2016</a:t>
+              <a:t>9/4/2016</a:t>
             </a:fld>
             <a:endParaRPr lang="en-US"/>
           </a:p>
@@ -3535,7 +3540,7 @@
         </p:nvSpPr>
         <p:spPr>
           <a:xfrm>
-            <a:off x="1194297" y="939265"/>
+            <a:off x="1194297" y="893545"/>
             <a:ext cx="9803405" cy="2308324"/>
           </a:xfrm>
           <a:prstGeom prst="rect">
@@ -3601,6 +3606,36 @@
                 <a:srgbClr val="993300"/>
               </a:solidFill>
             </a:endParaRPr>
+          </a:p>
+        </p:txBody>
+      </p:sp>
+      <p:sp>
+        <p:nvSpPr>
+          <p:cNvPr id="6" name="CasellaDiTesto 5"/>
+          <p:cNvSpPr txBox="1"/>
+          <p:nvPr/>
+        </p:nvSpPr>
+        <p:spPr>
+          <a:xfrm>
+            <a:off x="731520" y="5550408"/>
+            <a:ext cx="4032504" cy="369332"/>
+          </a:xfrm>
+          <a:prstGeom prst="rect">
+            <a:avLst/>
+          </a:prstGeom>
+          <a:noFill/>
+        </p:spPr>
+        <p:txBody>
+          <a:bodyPr wrap="square" rtlCol="0">
+            <a:spAutoFit/>
+          </a:bodyPr>
+          <a:lstStyle/>
+          <a:p>
+            <a:r>
+              <a:rPr lang="it-IT" dirty="0" smtClean="0"/>
+              <a:t>Supervisor: Marco Brambilla</a:t>
+            </a:r>
+            <a:endParaRPr lang="en-US" dirty="0"/>
           </a:p>
         </p:txBody>
       </p:sp>
@@ -5117,11 +5152,15 @@
             </a:r>
             <a:r>
               <a:rPr lang="it-IT" sz="2400" dirty="0" err="1" smtClean="0"/>
-              <a:t>Postgres</a:t>
-            </a:r>
-            <a:r>
-              <a:rPr lang="it-IT" sz="2400" dirty="0" smtClean="0"/>
-              <a:t> database of more </a:t>
+              <a:t>PostgreSQL</a:t>
+            </a:r>
+            <a:r>
+              <a:rPr lang="it-IT" sz="2400" dirty="0" smtClean="0"/>
+              <a:t> </a:t>
+            </a:r>
+            <a:r>
+              <a:rPr lang="it-IT" sz="2400" dirty="0" smtClean="0"/>
+              <a:t>database of more </a:t>
             </a:r>
             <a:r>
               <a:rPr lang="it-IT" sz="2400" dirty="0" err="1" smtClean="0"/>
@@ -7500,8 +7539,8 @@
         </p:nvSpPr>
         <p:spPr>
           <a:xfrm>
-            <a:off x="1927412" y="2268071"/>
-            <a:ext cx="4962320" cy="3046988"/>
+            <a:off x="1451924" y="1988208"/>
+            <a:ext cx="4962320" cy="3785652"/>
           </a:xfrm>
           <a:prstGeom prst="rect">
             <a:avLst/>
@@ -7541,6 +7580,42 @@
                 <a:latin typeface="+mj-lt"/>
               </a:rPr>
               <a:t>simplicity</a:t>
+            </a:r>
+            <a:endParaRPr lang="it-IT" sz="2400" dirty="0" smtClean="0">
+              <a:latin typeface="+mj-lt"/>
+            </a:endParaRPr>
+          </a:p>
+          <a:p>
+            <a:pPr marL="285750" indent="-285750">
+              <a:buFont typeface="Wingdings" panose="05000000000000000000" pitchFamily="2" charset="2"/>
+              <a:buChar char="q"/>
+            </a:pPr>
+            <a:endParaRPr lang="it-IT" sz="2400" dirty="0">
+              <a:latin typeface="+mj-lt"/>
+            </a:endParaRPr>
+          </a:p>
+          <a:p>
+            <a:pPr marL="285750" indent="-285750">
+              <a:buFont typeface="Wingdings" panose="05000000000000000000" pitchFamily="2" charset="2"/>
+              <a:buChar char="q"/>
+            </a:pPr>
+            <a:r>
+              <a:rPr lang="it-IT" sz="2400" dirty="0" err="1" smtClean="0">
+                <a:latin typeface="+mj-lt"/>
+              </a:rPr>
+              <a:t>Lack</a:t>
+            </a:r>
+            <a:r>
+              <a:rPr lang="it-IT" sz="2400" dirty="0" smtClean="0">
+                <a:latin typeface="+mj-lt"/>
+              </a:rPr>
+              <a:t> of </a:t>
+            </a:r>
+            <a:r>
+              <a:rPr lang="it-IT" sz="2400" dirty="0" err="1" smtClean="0">
+                <a:latin typeface="+mj-lt"/>
+              </a:rPr>
+              <a:t>configuration</a:t>
             </a:r>
             <a:endParaRPr lang="it-IT" sz="2400" dirty="0" smtClean="0">
               <a:latin typeface="+mj-lt"/>
@@ -8382,7 +8457,7 @@
         </p:nvSpPr>
         <p:spPr>
           <a:xfrm>
-            <a:off x="860612" y="2339788"/>
+            <a:off x="659444" y="1920223"/>
             <a:ext cx="9547412" cy="4062651"/>
           </a:xfrm>
           <a:prstGeom prst="rect">
@@ -8515,6 +8590,39 @@
           </a:p>
         </p:txBody>
       </p:sp>
+      <p:pic>
+        <p:nvPicPr>
+          <p:cNvPr id="9" name="Immagine 8" descr="https://lh4.googleusercontent.com/AFpfEAHTy9rs0LtnLbdxppgedruaqqRNWOOOnvcoIlOOAXhBHZTZnTN1Ysd3nHOYo5zpEaorkXjihShNEWkf7qjAY_WeixymrXqgkXVCYAjJnTqNJWQTvW5asBJx6ZD5539EM2rV"/>
+          <p:cNvPicPr/>
+          <p:nvPr/>
+        </p:nvPicPr>
+        <p:blipFill>
+          <a:blip r:embed="rId3">
+            <a:extLst>
+              <a:ext uri="{28A0092B-C50C-407E-A947-70E740481C1C}">
+                <a14:useLocalDpi xmlns:a14="http://schemas.microsoft.com/office/drawing/2010/main" val="0"/>
+              </a:ext>
+            </a:extLst>
+          </a:blip>
+          <a:srcRect/>
+          <a:stretch>
+            <a:fillRect/>
+          </a:stretch>
+        </p:blipFill>
+        <p:spPr bwMode="auto">
+          <a:xfrm>
+            <a:off x="3273107" y="2341001"/>
+            <a:ext cx="7068757" cy="3933461"/>
+          </a:xfrm>
+          <a:prstGeom prst="rect">
+            <a:avLst/>
+          </a:prstGeom>
+          <a:noFill/>
+          <a:ln>
+            <a:noFill/>
+          </a:ln>
+        </p:spPr>
+      </p:pic>
     </p:spTree>
     <p:extLst>
       <p:ext uri="{BB962C8B-B14F-4D97-AF65-F5344CB8AC3E}">
@@ -8961,6 +9069,39 @@
           </a:p>
         </p:txBody>
       </p:sp>
+      <p:pic>
+        <p:nvPicPr>
+          <p:cNvPr id="9" name="Immagine 8" descr="File:MVC-Process.svg"/>
+          <p:cNvPicPr/>
+          <p:nvPr/>
+        </p:nvPicPr>
+        <p:blipFill>
+          <a:blip r:embed="rId3">
+            <a:extLst>
+              <a:ext uri="{28A0092B-C50C-407E-A947-70E740481C1C}">
+                <a14:useLocalDpi xmlns:a14="http://schemas.microsoft.com/office/drawing/2010/main" val="0"/>
+              </a:ext>
+            </a:extLst>
+          </a:blip>
+          <a:srcRect/>
+          <a:stretch>
+            <a:fillRect/>
+          </a:stretch>
+        </p:blipFill>
+        <p:spPr bwMode="auto">
+          <a:xfrm>
+            <a:off x="6096000" y="1721224"/>
+            <a:ext cx="4026408" cy="4307780"/>
+          </a:xfrm>
+          <a:prstGeom prst="rect">
+            <a:avLst/>
+          </a:prstGeom>
+          <a:noFill/>
+          <a:ln>
+            <a:noFill/>
+          </a:ln>
+        </p:spPr>
+      </p:pic>
     </p:spTree>
     <p:extLst>
       <p:ext uri="{BB962C8B-B14F-4D97-AF65-F5344CB8AC3E}">
@@ -9457,6 +9598,47 @@
           </a:p>
         </p:txBody>
       </p:sp>
+      <p:pic>
+        <p:nvPicPr>
+          <p:cNvPr id="8" name="Picture 2" descr="http://howtodoinjava.com/wp-content/uploads/2014/06/java-annotations.png"/>
+          <p:cNvPicPr>
+            <a:picLocks noChangeAspect="1" noChangeArrowheads="1"/>
+          </p:cNvPicPr>
+          <p:nvPr/>
+        </p:nvPicPr>
+        <p:blipFill>
+          <a:blip r:embed="rId3">
+            <a:extLst>
+              <a:ext uri="{28A0092B-C50C-407E-A947-70E740481C1C}">
+                <a14:useLocalDpi xmlns:a14="http://schemas.microsoft.com/office/drawing/2010/main" val="0"/>
+              </a:ext>
+            </a:extLst>
+          </a:blip>
+          <a:srcRect/>
+          <a:stretch>
+            <a:fillRect/>
+          </a:stretch>
+        </p:blipFill>
+        <p:spPr bwMode="auto">
+          <a:xfrm>
+            <a:off x="8456257" y="2522798"/>
+            <a:ext cx="2857500" cy="2857500"/>
+          </a:xfrm>
+          <a:prstGeom prst="rect">
+            <a:avLst/>
+          </a:prstGeom>
+          <a:noFill/>
+          <a:extLst>
+            <a:ext uri="{909E8E84-426E-40DD-AFC4-6F175D3DCCD1}">
+              <a14:hiddenFill xmlns:a14="http://schemas.microsoft.com/office/drawing/2010/main">
+                <a:solidFill>
+                  <a:srgbClr val="FFFFFF"/>
+                </a:solidFill>
+              </a14:hiddenFill>
+            </a:ext>
+          </a:extLst>
+        </p:spPr>
+      </p:pic>
     </p:spTree>
     <p:extLst>
       <p:ext uri="{BB962C8B-B14F-4D97-AF65-F5344CB8AC3E}">
@@ -9771,7 +9953,7 @@
         <p:spPr>
           <a:xfrm>
             <a:off x="791570" y="1792941"/>
-            <a:ext cx="9473018" cy="3416320"/>
+            <a:ext cx="9473018" cy="3785652"/>
           </a:xfrm>
           <a:prstGeom prst="rect">
             <a:avLst/>
@@ -9930,6 +10112,9 @@
               <a:rPr lang="it-IT" sz="2400" dirty="0" smtClean="0"/>
               <a:t>.</a:t>
             </a:r>
+          </a:p>
+          <a:p>
+            <a:endParaRPr lang="it-IT" sz="2400" dirty="0" smtClean="0"/>
           </a:p>
           <a:p>
             <a:r>
@@ -10509,6 +10694,45 @@
           </a:p>
         </p:txBody>
       </p:sp>
+      <p:pic>
+        <p:nvPicPr>
+          <p:cNvPr id="2050" name="Picture 2" descr="https://www.predic8.com/public/enterprise/swagger-rest-api.png"/>
+          <p:cNvPicPr>
+            <a:picLocks noChangeAspect="1" noChangeArrowheads="1"/>
+          </p:cNvPicPr>
+          <p:nvPr/>
+        </p:nvPicPr>
+        <p:blipFill rotWithShape="1">
+          <a:blip r:embed="rId3">
+            <a:extLst>
+              <a:ext uri="{28A0092B-C50C-407E-A947-70E740481C1C}">
+                <a14:useLocalDpi xmlns:a14="http://schemas.microsoft.com/office/drawing/2010/main" val="0"/>
+              </a:ext>
+            </a:extLst>
+          </a:blip>
+          <a:srcRect t="14373"/>
+          <a:stretch/>
+        </p:blipFill>
+        <p:spPr bwMode="auto">
+          <a:xfrm>
+            <a:off x="5604279" y="3009752"/>
+            <a:ext cx="6070191" cy="2953513"/>
+          </a:xfrm>
+          <a:prstGeom prst="rect">
+            <a:avLst/>
+          </a:prstGeom>
+          <a:noFill/>
+          <a:extLst>
+            <a:ext uri="{909E8E84-426E-40DD-AFC4-6F175D3DCCD1}">
+              <a14:hiddenFill xmlns:a14="http://schemas.microsoft.com/office/drawing/2010/main">
+                <a:solidFill>
+                  <a:srgbClr val="FFFFFF"/>
+                </a:solidFill>
+              </a14:hiddenFill>
+            </a:ext>
+          </a:extLst>
+        </p:spPr>
+      </p:pic>
     </p:spTree>
     <p:extLst>
       <p:ext uri="{BB962C8B-B14F-4D97-AF65-F5344CB8AC3E}">

--- a/Documentation/Presentation_Livraghi.pptx
+++ b/Documentation/Presentation_Livraghi.pptx
@@ -4045,15 +4045,19 @@
             </a:r>
             <a:r>
               <a:rPr lang="it-IT" sz="2400" dirty="0" err="1" smtClean="0"/>
+              <a:t>core’s</a:t>
+            </a:r>
+            <a:r>
+              <a:rPr lang="it-IT" sz="2400" dirty="0" smtClean="0"/>
+              <a:t> </a:t>
+            </a:r>
+            <a:r>
+              <a:rPr lang="it-IT" sz="2400" dirty="0" err="1" smtClean="0"/>
               <a:t>implementation</a:t>
             </a:r>
             <a:r>
-              <a:rPr lang="it-IT" sz="2400" dirty="0"/>
-              <a:t> </a:t>
-            </a:r>
-            <a:r>
-              <a:rPr lang="it-IT" sz="2400" dirty="0" smtClean="0"/>
-              <a:t>of the core, </a:t>
+              <a:rPr lang="it-IT" sz="2400" dirty="0" smtClean="0"/>
+              <a:t>, </a:t>
             </a:r>
             <a:r>
               <a:rPr lang="it-IT" sz="2400" dirty="0" err="1" smtClean="0"/>
@@ -5156,11 +5160,7 @@
             </a:r>
             <a:r>
               <a:rPr lang="it-IT" sz="2400" dirty="0" smtClean="0"/>
-              <a:t> </a:t>
-            </a:r>
-            <a:r>
-              <a:rPr lang="it-IT" sz="2400" dirty="0" smtClean="0"/>
-              <a:t>database of more </a:t>
+              <a:t> database of more </a:t>
             </a:r>
             <a:r>
               <a:rPr lang="it-IT" sz="2400" dirty="0" err="1" smtClean="0"/>
@@ -8952,8 +8952,13 @@
           <a:p>
             <a:r>
               <a:rPr lang="it-IT" sz="2400" dirty="0" smtClean="0"/>
-              <a:t>Server side</a:t>
-            </a:r>
+              <a:t>Server </a:t>
+            </a:r>
+            <a:r>
+              <a:rPr lang="it-IT" sz="2400" dirty="0" smtClean="0"/>
+              <a:t>side [Spring Framework]</a:t>
+            </a:r>
+            <a:endParaRPr lang="it-IT" sz="2400" dirty="0" smtClean="0"/>
           </a:p>
           <a:p>
             <a:endParaRPr lang="it-IT" sz="2400" dirty="0" smtClean="0"/>
@@ -9026,8 +9031,21 @@
           <a:p>
             <a:r>
               <a:rPr lang="it-IT" sz="2400" dirty="0" smtClean="0"/>
-              <a:t>Client side</a:t>
-            </a:r>
+              <a:t>Client </a:t>
+            </a:r>
+            <a:r>
+              <a:rPr lang="it-IT" sz="2400" dirty="0" smtClean="0"/>
+              <a:t>side [</a:t>
+            </a:r>
+            <a:r>
+              <a:rPr lang="it-IT" sz="2400" dirty="0" err="1" smtClean="0"/>
+              <a:t>AngularJS</a:t>
+            </a:r>
+            <a:r>
+              <a:rPr lang="it-IT" sz="2400" dirty="0" smtClean="0"/>
+              <a:t>]</a:t>
+            </a:r>
+            <a:endParaRPr lang="it-IT" sz="2400" dirty="0" smtClean="0"/>
           </a:p>
           <a:p>
             <a:endParaRPr lang="it-IT" sz="2400" dirty="0" smtClean="0"/>
@@ -9476,7 +9494,19 @@
             </a:r>
             <a:r>
               <a:rPr lang="it-IT" sz="2400" dirty="0" smtClean="0"/>
-              <a:t> help the generation.</a:t>
+              <a:t> </a:t>
+            </a:r>
+            <a:r>
+              <a:rPr lang="it-IT" sz="2400" dirty="0" err="1" smtClean="0"/>
+              <a:t>helps</a:t>
+            </a:r>
+            <a:r>
+              <a:rPr lang="it-IT" sz="2400" dirty="0" smtClean="0"/>
+              <a:t> </a:t>
+            </a:r>
+            <a:r>
+              <a:rPr lang="it-IT" sz="2400" dirty="0" smtClean="0"/>
+              <a:t>the generation.</a:t>
             </a:r>
           </a:p>
           <a:p>

--- a/Documentation/Presentation_Livraghi.pptx
+++ b/Documentation/Presentation_Livraghi.pptx
@@ -211,7 +211,7 @@
           <a:p>
             <a:fld id="{91083BAD-6A9F-461D-81CB-B66E0466E26C}" type="datetimeFigureOut">
               <a:rPr lang="en-US" smtClean="0"/>
-              <a:t>9/4/2016</a:t>
+              <a:t>9/11/2016</a:t>
             </a:fld>
             <a:endParaRPr lang="en-US"/>
           </a:p>
@@ -610,7 +610,7 @@
           <a:p>
             <a:fld id="{CD21B5B3-039F-429B-99C7-2CD73848BA9F}" type="datetime1">
               <a:rPr lang="en-US" smtClean="0"/>
-              <a:t>9/4/2016</a:t>
+              <a:t>9/11/2016</a:t>
             </a:fld>
             <a:endParaRPr lang="en-US"/>
           </a:p>
@@ -780,7 +780,7 @@
           <a:p>
             <a:fld id="{F9F8E728-2569-4D94-88D5-45B756BBDC0A}" type="datetime1">
               <a:rPr lang="en-US" smtClean="0"/>
-              <a:t>9/4/2016</a:t>
+              <a:t>9/11/2016</a:t>
             </a:fld>
             <a:endParaRPr lang="en-US"/>
           </a:p>
@@ -960,7 +960,7 @@
           <a:p>
             <a:fld id="{6E851DE9-B89E-4DE2-8F1F-7636B1D7A646}" type="datetime1">
               <a:rPr lang="en-US" smtClean="0"/>
-              <a:t>9/4/2016</a:t>
+              <a:t>9/11/2016</a:t>
             </a:fld>
             <a:endParaRPr lang="en-US"/>
           </a:p>
@@ -1130,7 +1130,7 @@
           <a:p>
             <a:fld id="{1CBA3AE3-844A-4687-BB35-F0E83962B700}" type="datetime1">
               <a:rPr lang="en-US" smtClean="0"/>
-              <a:t>9/4/2016</a:t>
+              <a:t>9/11/2016</a:t>
             </a:fld>
             <a:endParaRPr lang="en-US"/>
           </a:p>
@@ -1376,7 +1376,7 @@
           <a:p>
             <a:fld id="{D956F8F8-CCC5-4FB5-885B-AF7CF2D52008}" type="datetime1">
               <a:rPr lang="en-US" smtClean="0"/>
-              <a:t>9/4/2016</a:t>
+              <a:t>9/11/2016</a:t>
             </a:fld>
             <a:endParaRPr lang="en-US"/>
           </a:p>
@@ -1608,7 +1608,7 @@
           <a:p>
             <a:fld id="{4F42D62B-8271-4E4B-A040-490B722A1E50}" type="datetime1">
               <a:rPr lang="en-US" smtClean="0"/>
-              <a:t>9/4/2016</a:t>
+              <a:t>9/11/2016</a:t>
             </a:fld>
             <a:endParaRPr lang="en-US"/>
           </a:p>
@@ -1975,7 +1975,7 @@
           <a:p>
             <a:fld id="{5B10584F-F6AB-40C4-A0C4-3B9E7CF7B2D3}" type="datetime1">
               <a:rPr lang="en-US" smtClean="0"/>
-              <a:t>9/4/2016</a:t>
+              <a:t>9/11/2016</a:t>
             </a:fld>
             <a:endParaRPr lang="en-US"/>
           </a:p>
@@ -2093,7 +2093,7 @@
           <a:p>
             <a:fld id="{4152AA1C-42D1-4E66-A81A-4CED565C438A}" type="datetime1">
               <a:rPr lang="en-US" smtClean="0"/>
-              <a:t>9/4/2016</a:t>
+              <a:t>9/11/2016</a:t>
             </a:fld>
             <a:endParaRPr lang="en-US"/>
           </a:p>
@@ -2188,7 +2188,7 @@
           <a:p>
             <a:fld id="{A38654EE-CA51-4CAB-81A3-915B4196B46A}" type="datetime1">
               <a:rPr lang="en-US" smtClean="0"/>
-              <a:t>9/4/2016</a:t>
+              <a:t>9/11/2016</a:t>
             </a:fld>
             <a:endParaRPr lang="en-US"/>
           </a:p>
@@ -2465,7 +2465,7 @@
           <a:p>
             <a:fld id="{0D96A17B-E3F7-4271-86D1-AAC93576A658}" type="datetime1">
               <a:rPr lang="en-US" smtClean="0"/>
-              <a:t>9/4/2016</a:t>
+              <a:t>9/11/2016</a:t>
             </a:fld>
             <a:endParaRPr lang="en-US"/>
           </a:p>
@@ -2718,7 +2718,7 @@
           <a:p>
             <a:fld id="{A86A9F43-4BB6-405C-957B-D236E6322BE8}" type="datetime1">
               <a:rPr lang="en-US" smtClean="0"/>
-              <a:t>9/4/2016</a:t>
+              <a:t>9/11/2016</a:t>
             </a:fld>
             <a:endParaRPr lang="en-US"/>
           </a:p>
@@ -2931,7 +2931,7 @@
           <a:p>
             <a:fld id="{083CF0BE-6E47-44E1-A749-E278485BAA87}" type="datetime1">
               <a:rPr lang="en-US" smtClean="0"/>
-              <a:t>9/4/2016</a:t>
+              <a:t>9/11/2016</a:t>
             </a:fld>
             <a:endParaRPr lang="en-US"/>
           </a:p>
@@ -5036,7 +5036,7 @@
         <p:spPr>
           <a:xfrm>
             <a:off x="791570" y="1739153"/>
-            <a:ext cx="9634383" cy="2308324"/>
+            <a:ext cx="9634383" cy="2677656"/>
           </a:xfrm>
           <a:prstGeom prst="rect">
             <a:avLst/>
@@ -5094,12 +5094,8 @@
               <a:t> </a:t>
             </a:r>
             <a:r>
-              <a:rPr lang="it-IT" sz="2400" dirty="0" err="1" smtClean="0"/>
-              <a:t>care’s</a:t>
-            </a:r>
-            <a:r>
-              <a:rPr lang="it-IT" sz="2400" dirty="0" smtClean="0"/>
-              <a:t> </a:t>
+              <a:rPr lang="it-IT" sz="2400" dirty="0" smtClean="0"/>
+              <a:t>care </a:t>
             </a:r>
             <a:r>
               <a:rPr lang="it-IT" sz="2400" dirty="0" err="1" smtClean="0"/>
@@ -5107,7 +5103,11 @@
             </a:r>
             <a:r>
               <a:rPr lang="it-IT" sz="2400" dirty="0" smtClean="0"/>
-              <a:t> for an </a:t>
+              <a:t> in </a:t>
+            </a:r>
+            <a:r>
+              <a:rPr lang="it-IT" sz="2400" dirty="0" smtClean="0"/>
+              <a:t>an </a:t>
             </a:r>
             <a:r>
               <a:rPr lang="it-IT" sz="2400" dirty="0" err="1" smtClean="0"/>
@@ -5160,7 +5160,15 @@
             </a:r>
             <a:r>
               <a:rPr lang="it-IT" sz="2400" dirty="0" smtClean="0"/>
-              <a:t> database of more </a:t>
+              <a:t> </a:t>
+            </a:r>
+            <a:r>
+              <a:rPr lang="it-IT" sz="2400" dirty="0" smtClean="0"/>
+              <a:t>database, made up of </a:t>
+            </a:r>
+            <a:r>
+              <a:rPr lang="it-IT" sz="2400" dirty="0" smtClean="0"/>
+              <a:t>more </a:t>
             </a:r>
             <a:r>
               <a:rPr lang="it-IT" sz="2400" dirty="0" err="1" smtClean="0"/>
@@ -5201,7 +5209,7 @@
             </a:r>
             <a:r>
               <a:rPr lang="it-IT" sz="2400" dirty="0" smtClean="0"/>
-              <a:t> </a:t>
+              <a:t>???? </a:t>
             </a:r>
             <a:r>
               <a:rPr lang="it-IT" sz="2400" dirty="0" err="1" smtClean="0"/>
@@ -5558,7 +5566,7 @@
         <p:spPr>
           <a:xfrm>
             <a:off x="636494" y="1775012"/>
-            <a:ext cx="9958481" cy="2677656"/>
+            <a:ext cx="9958481" cy="3046988"/>
           </a:xfrm>
           <a:prstGeom prst="rect">
             <a:avLst/>
@@ -5592,93 +5600,118 @@
               <a:t> a </a:t>
             </a:r>
             <a:r>
+              <a:rPr lang="it-IT" sz="2400" dirty="0" smtClean="0"/>
+              <a:t>WMS (</a:t>
+            </a:r>
+            <a:r>
+              <a:rPr lang="it-IT" sz="2400" dirty="0" err="1"/>
+              <a:t>W</a:t>
+            </a:r>
+            <a:r>
+              <a:rPr lang="it-IT" sz="2400" dirty="0" err="1" smtClean="0"/>
+              <a:t>arehouse</a:t>
+            </a:r>
+            <a:r>
+              <a:rPr lang="it-IT" sz="2400" dirty="0" smtClean="0"/>
+              <a:t> </a:t>
+            </a:r>
+            <a:r>
+              <a:rPr lang="it-IT" sz="2400" dirty="0"/>
+              <a:t>M</a:t>
+            </a:r>
+            <a:r>
+              <a:rPr lang="it-IT" sz="2400" dirty="0" smtClean="0"/>
+              <a:t>anagement </a:t>
+            </a:r>
+            <a:r>
+              <a:rPr lang="it-IT" sz="2400" dirty="0"/>
+              <a:t>S</a:t>
+            </a:r>
+            <a:r>
+              <a:rPr lang="it-IT" sz="2400" dirty="0" smtClean="0"/>
+              <a:t>ystem) </a:t>
+            </a:r>
+            <a:r>
+              <a:rPr lang="it-IT" sz="2400" dirty="0" err="1" smtClean="0"/>
+              <a:t>that</a:t>
+            </a:r>
+            <a:r>
+              <a:rPr lang="it-IT" sz="2400" dirty="0" smtClean="0"/>
+              <a:t> </a:t>
+            </a:r>
+            <a:r>
+              <a:rPr lang="it-IT" sz="2400" dirty="0" err="1" smtClean="0"/>
+              <a:t>keeps</a:t>
+            </a:r>
+            <a:r>
+              <a:rPr lang="it-IT" sz="2400" dirty="0" smtClean="0"/>
+              <a:t> </a:t>
+            </a:r>
+            <a:r>
+              <a:rPr lang="it-IT" sz="2400" dirty="0" err="1" smtClean="0"/>
+              <a:t>track</a:t>
+            </a:r>
+            <a:r>
+              <a:rPr lang="it-IT" sz="2400" dirty="0" smtClean="0"/>
+              <a:t> of </a:t>
+            </a:r>
+            <a:r>
+              <a:rPr lang="it-IT" sz="2400" dirty="0" err="1" smtClean="0"/>
+              <a:t>orders</a:t>
+            </a:r>
+            <a:r>
+              <a:rPr lang="it-IT" sz="2400" dirty="0" smtClean="0"/>
+              <a:t>, </a:t>
+            </a:r>
+            <a:r>
+              <a:rPr lang="it-IT" sz="2400" dirty="0" err="1" smtClean="0"/>
+              <a:t>products</a:t>
+            </a:r>
+            <a:r>
+              <a:rPr lang="it-IT" sz="2400" dirty="0" smtClean="0"/>
+              <a:t> and </a:t>
+            </a:r>
+            <a:r>
+              <a:rPr lang="it-IT" sz="2400" dirty="0" err="1" smtClean="0"/>
+              <a:t>other</a:t>
+            </a:r>
+            <a:r>
+              <a:rPr lang="it-IT" sz="2400" dirty="0" smtClean="0"/>
+              <a:t> </a:t>
+            </a:r>
+            <a:r>
+              <a:rPr lang="it-IT" sz="2400" dirty="0" err="1" smtClean="0"/>
+              <a:t>different</a:t>
+            </a:r>
+            <a:r>
+              <a:rPr lang="it-IT" sz="2400" dirty="0" smtClean="0"/>
+              <a:t> </a:t>
+            </a:r>
+            <a:r>
+              <a:rPr lang="it-IT" sz="2400" dirty="0" err="1" smtClean="0"/>
+              <a:t>issues</a:t>
+            </a:r>
+            <a:r>
+              <a:rPr lang="it-IT" sz="2400" dirty="0" smtClean="0"/>
+              <a:t> </a:t>
+            </a:r>
+            <a:r>
+              <a:rPr lang="it-IT" sz="2400" dirty="0" err="1" smtClean="0"/>
+              <a:t>related</a:t>
+            </a:r>
+            <a:r>
+              <a:rPr lang="it-IT" sz="2400" dirty="0" smtClean="0"/>
+              <a:t> to </a:t>
+            </a:r>
+            <a:r>
               <a:rPr lang="it-IT" sz="2400" dirty="0" err="1" smtClean="0"/>
               <a:t>warehouse</a:t>
             </a:r>
             <a:r>
               <a:rPr lang="it-IT" sz="2400" dirty="0" smtClean="0"/>
-              <a:t> management </a:t>
-            </a:r>
-            <a:r>
-              <a:rPr lang="it-IT" sz="2400" dirty="0" err="1" smtClean="0"/>
-              <a:t>systems</a:t>
-            </a:r>
-            <a:r>
-              <a:rPr lang="it-IT" sz="2400" dirty="0" smtClean="0"/>
-              <a:t> </a:t>
-            </a:r>
-            <a:r>
-              <a:rPr lang="it-IT" sz="2400" dirty="0" err="1" smtClean="0"/>
-              <a:t>that</a:t>
-            </a:r>
-            <a:r>
-              <a:rPr lang="it-IT" sz="2400" dirty="0" smtClean="0"/>
-              <a:t> </a:t>
-            </a:r>
-            <a:r>
-              <a:rPr lang="it-IT" sz="2400" dirty="0" err="1" smtClean="0"/>
-              <a:t>keep</a:t>
-            </a:r>
-            <a:r>
-              <a:rPr lang="it-IT" sz="2400" dirty="0" smtClean="0"/>
-              <a:t> </a:t>
-            </a:r>
-            <a:r>
-              <a:rPr lang="it-IT" sz="2400" dirty="0" err="1" smtClean="0"/>
-              <a:t>track</a:t>
-            </a:r>
-            <a:r>
-              <a:rPr lang="it-IT" sz="2400" dirty="0" smtClean="0"/>
-              <a:t> of </a:t>
-            </a:r>
-            <a:r>
-              <a:rPr lang="it-IT" sz="2400" dirty="0" err="1" smtClean="0"/>
-              <a:t>orders</a:t>
-            </a:r>
-            <a:r>
-              <a:rPr lang="it-IT" sz="2400" dirty="0" smtClean="0"/>
-              <a:t>, </a:t>
-            </a:r>
-            <a:r>
-              <a:rPr lang="it-IT" sz="2400" dirty="0" err="1" smtClean="0"/>
-              <a:t>products</a:t>
-            </a:r>
-            <a:r>
-              <a:rPr lang="it-IT" sz="2400" dirty="0" smtClean="0"/>
-              <a:t> and </a:t>
-            </a:r>
-            <a:r>
-              <a:rPr lang="it-IT" sz="2400" dirty="0" err="1" smtClean="0"/>
-              <a:t>other</a:t>
-            </a:r>
-            <a:r>
-              <a:rPr lang="it-IT" sz="2400" dirty="0" smtClean="0"/>
-              <a:t> </a:t>
-            </a:r>
-            <a:r>
-              <a:rPr lang="it-IT" sz="2400" dirty="0" err="1" smtClean="0"/>
-              <a:t>different</a:t>
-            </a:r>
-            <a:r>
-              <a:rPr lang="it-IT" sz="2400" dirty="0" smtClean="0"/>
-              <a:t> </a:t>
-            </a:r>
-            <a:r>
-              <a:rPr lang="it-IT" sz="2400" dirty="0" err="1" smtClean="0"/>
-              <a:t>aspects</a:t>
-            </a:r>
-            <a:r>
-              <a:rPr lang="it-IT" sz="2400" dirty="0" smtClean="0"/>
-              <a:t> of a </a:t>
-            </a:r>
-            <a:r>
-              <a:rPr lang="it-IT" sz="2400" dirty="0" err="1" smtClean="0"/>
-              <a:t>warehouse</a:t>
-            </a:r>
-            <a:r>
-              <a:rPr lang="it-IT" sz="2400" dirty="0" smtClean="0"/>
-              <a:t>.</a:t>
-            </a:r>
+              <a:t> management.</a:t>
+            </a:r>
+            <a:endParaRPr lang="it-IT" sz="2400" dirty="0" smtClean="0"/>
           </a:p>
           <a:p>
             <a:endParaRPr lang="it-IT" sz="2400" dirty="0"/>
@@ -8458,7 +8491,7 @@
         <p:spPr>
           <a:xfrm>
             <a:off x="659444" y="1920223"/>
-            <a:ext cx="9547412" cy="4062651"/>
+            <a:ext cx="9547412" cy="3693319"/>
           </a:xfrm>
           <a:prstGeom prst="rect">
             <a:avLst/>
@@ -8497,7 +8530,23 @@
             </a:r>
             <a:r>
               <a:rPr lang="it-IT" sz="2400" dirty="0" smtClean="0"/>
-              <a:t> an </a:t>
+              <a:t> </a:t>
+            </a:r>
+            <a:r>
+              <a:rPr lang="it-IT" sz="2400" dirty="0" smtClean="0"/>
+              <a:t>the </a:t>
+            </a:r>
+            <a:r>
+              <a:rPr lang="it-IT" sz="2400" dirty="0" err="1" smtClean="0"/>
+              <a:t>designed</a:t>
+            </a:r>
+            <a:r>
+              <a:rPr lang="it-IT" sz="2400" dirty="0" smtClean="0"/>
+              <a:t> </a:t>
+            </a:r>
+            <a:r>
+              <a:rPr lang="it-IT" sz="2400" dirty="0" smtClean="0"/>
+              <a:t>metamodel </a:t>
             </a:r>
             <a:r>
               <a:rPr lang="it-IT" sz="2400" dirty="0" err="1" smtClean="0"/>
@@ -8505,16 +8554,9 @@
             </a:r>
             <a:r>
               <a:rPr lang="it-IT" sz="2400" dirty="0" smtClean="0"/>
-              <a:t> of the </a:t>
-            </a:r>
-            <a:r>
-              <a:rPr lang="it-IT" sz="2400" dirty="0" err="1" smtClean="0"/>
-              <a:t>designed</a:t>
-            </a:r>
-            <a:r>
-              <a:rPr lang="it-IT" sz="2400" dirty="0" smtClean="0"/>
-              <a:t> metamodel.</a:t>
-            </a:r>
+              <a:t>.</a:t>
+            </a:r>
+            <a:endParaRPr lang="it-IT" sz="2400" dirty="0" smtClean="0"/>
           </a:p>
           <a:p>
             <a:endParaRPr lang="it-IT" sz="2400" dirty="0"/>
@@ -8952,13 +8994,8 @@
           <a:p>
             <a:r>
               <a:rPr lang="it-IT" sz="2400" dirty="0" smtClean="0"/>
-              <a:t>Server </a:t>
-            </a:r>
-            <a:r>
-              <a:rPr lang="it-IT" sz="2400" dirty="0" smtClean="0"/>
-              <a:t>side [Spring Framework]</a:t>
-            </a:r>
-            <a:endParaRPr lang="it-IT" sz="2400" dirty="0" smtClean="0"/>
+              <a:t>Server side [Spring Framework]</a:t>
+            </a:r>
           </a:p>
           <a:p>
             <a:endParaRPr lang="it-IT" sz="2400" dirty="0" smtClean="0"/>
@@ -8978,11 +9015,15 @@
             </a:r>
             <a:r>
               <a:rPr lang="it-IT" sz="2400" dirty="0" err="1" smtClean="0"/>
-              <a:t>layer’s</a:t>
-            </a:r>
-            <a:r>
-              <a:rPr lang="it-IT" sz="2400" dirty="0" smtClean="0"/>
-              <a:t> component</a:t>
+              <a:t>layer</a:t>
+            </a:r>
+            <a:r>
+              <a:rPr lang="it-IT" sz="2400" dirty="0" smtClean="0"/>
+              <a:t> </a:t>
+            </a:r>
+            <a:r>
+              <a:rPr lang="it-IT" sz="2400" dirty="0" smtClean="0"/>
+              <a:t>component</a:t>
             </a:r>
           </a:p>
           <a:p>
@@ -8996,11 +9037,15 @@
             </a:r>
             <a:r>
               <a:rPr lang="it-IT" sz="2400" dirty="0" err="1" smtClean="0"/>
-              <a:t>layer’s</a:t>
-            </a:r>
-            <a:r>
-              <a:rPr lang="it-IT" sz="2400" dirty="0" smtClean="0"/>
-              <a:t> component</a:t>
+              <a:t>layer</a:t>
+            </a:r>
+            <a:r>
+              <a:rPr lang="it-IT" sz="2400" dirty="0" smtClean="0"/>
+              <a:t> </a:t>
+            </a:r>
+            <a:r>
+              <a:rPr lang="it-IT" sz="2400" dirty="0" smtClean="0"/>
+              <a:t>component</a:t>
             </a:r>
           </a:p>
           <a:p>
@@ -9014,11 +9059,15 @@
             </a:r>
             <a:r>
               <a:rPr lang="it-IT" sz="2400" dirty="0" err="1" smtClean="0"/>
-              <a:t>layer’s</a:t>
-            </a:r>
-            <a:r>
-              <a:rPr lang="it-IT" sz="2400" dirty="0" smtClean="0"/>
-              <a:t> component</a:t>
+              <a:t>layer</a:t>
+            </a:r>
+            <a:r>
+              <a:rPr lang="it-IT" sz="2400" dirty="0" smtClean="0"/>
+              <a:t> </a:t>
+            </a:r>
+            <a:r>
+              <a:rPr lang="it-IT" sz="2400" dirty="0" smtClean="0"/>
+              <a:t>component</a:t>
             </a:r>
           </a:p>
           <a:p>
@@ -9031,11 +9080,7 @@
           <a:p>
             <a:r>
               <a:rPr lang="it-IT" sz="2400" dirty="0" smtClean="0"/>
-              <a:t>Client </a:t>
-            </a:r>
-            <a:r>
-              <a:rPr lang="it-IT" sz="2400" dirty="0" smtClean="0"/>
-              <a:t>side [</a:t>
+              <a:t>Client side [</a:t>
             </a:r>
             <a:r>
               <a:rPr lang="it-IT" sz="2400" dirty="0" err="1" smtClean="0"/>
@@ -9045,7 +9090,6 @@
               <a:rPr lang="it-IT" sz="2400" dirty="0" smtClean="0"/>
               <a:t>]</a:t>
             </a:r>
-            <a:endParaRPr lang="it-IT" sz="2400" dirty="0" smtClean="0"/>
           </a:p>
           <a:p>
             <a:endParaRPr lang="it-IT" sz="2400" dirty="0" smtClean="0"/>
@@ -9502,11 +9546,7 @@
             </a:r>
             <a:r>
               <a:rPr lang="it-IT" sz="2400" dirty="0" smtClean="0"/>
-              <a:t> </a:t>
-            </a:r>
-            <a:r>
-              <a:rPr lang="it-IT" sz="2400" dirty="0" smtClean="0"/>
-              <a:t>the generation.</a:t>
+              <a:t> the generation.</a:t>
             </a:r>
           </a:p>
           <a:p>
@@ -9515,20 +9555,37 @@
           <a:p>
             <a:r>
               <a:rPr lang="it-IT" sz="2400" dirty="0" err="1" smtClean="0"/>
-              <a:t>Annotations</a:t>
-            </a:r>
-            <a:r>
-              <a:rPr lang="it-IT" sz="2400" dirty="0" smtClean="0"/>
-              <a:t> are the Java input for </a:t>
-            </a:r>
-            <a:r>
-              <a:rPr lang="it-IT" sz="2400" dirty="0" err="1" smtClean="0"/>
-              <a:t>this</a:t>
-            </a:r>
-            <a:r>
-              <a:rPr lang="it-IT" sz="2400" dirty="0" smtClean="0"/>
-              <a:t> data.</a:t>
-            </a:r>
+              <a:t>These</a:t>
+            </a:r>
+            <a:r>
+              <a:rPr lang="it-IT" sz="2400" dirty="0" smtClean="0"/>
+              <a:t> data</a:t>
+            </a:r>
+            <a:r>
+              <a:rPr lang="it-IT" sz="2400" dirty="0"/>
+              <a:t> </a:t>
+            </a:r>
+            <a:r>
+              <a:rPr lang="it-IT" sz="2400" dirty="0" smtClean="0"/>
+              <a:t>are </a:t>
+            </a:r>
+            <a:r>
+              <a:rPr lang="it-IT" sz="2400" dirty="0" err="1" smtClean="0"/>
+              <a:t>filled</a:t>
+            </a:r>
+            <a:r>
+              <a:rPr lang="it-IT" sz="2400" dirty="0" smtClean="0"/>
+              <a:t> by Java </a:t>
+            </a:r>
+            <a:r>
+              <a:rPr lang="it-IT" sz="2400" dirty="0" err="1" smtClean="0"/>
+              <a:t>annotations</a:t>
+            </a:r>
+            <a:r>
+              <a:rPr lang="it-IT" sz="2400" dirty="0" smtClean="0"/>
+              <a:t>.</a:t>
+            </a:r>
+            <a:endParaRPr lang="it-IT" sz="2400" dirty="0" smtClean="0"/>
           </a:p>
           <a:p>
             <a:endParaRPr lang="it-IT" sz="2400" dirty="0"/>
@@ -10034,8 +10091,13 @@
             </a:r>
             <a:r>
               <a:rPr lang="it-IT" sz="2400" dirty="0" smtClean="0"/>
-              <a:t> of security</a:t>
-            </a:r>
+              <a:t> of </a:t>
+            </a:r>
+            <a:r>
+              <a:rPr lang="it-IT" sz="2400" dirty="0" smtClean="0"/>
+              <a:t>security:</a:t>
+            </a:r>
+            <a:endParaRPr lang="it-IT" sz="2400" dirty="0" smtClean="0"/>
           </a:p>
           <a:p>
             <a:pPr marL="285750" indent="-285750">
@@ -10063,6 +10125,10 @@
             <a:r>
               <a:rPr lang="it-IT" sz="2400" dirty="0" err="1" smtClean="0"/>
               <a:t>level</a:t>
+            </a:r>
+            <a:r>
+              <a:rPr lang="it-IT" sz="2400" dirty="0" smtClean="0"/>
+              <a:t> policy</a:t>
             </a:r>
             <a:endParaRPr lang="it-IT" sz="2400" dirty="0" smtClean="0"/>
           </a:p>
@@ -10084,6 +10150,14 @@
             </a:r>
             <a:r>
               <a:rPr lang="it-IT" sz="2400" dirty="0" smtClean="0"/>
+              <a:t> </a:t>
+            </a:r>
+            <a:r>
+              <a:rPr lang="it-IT" sz="2400" dirty="0" err="1" smtClean="0"/>
+              <a:t>policies</a:t>
+            </a:r>
+            <a:r>
+              <a:rPr lang="it-IT" sz="2400" dirty="0" smtClean="0"/>
               <a:t> are </a:t>
             </a:r>
             <a:r>
@@ -10095,16 +10169,12 @@
               <a:t> </a:t>
             </a:r>
             <a:r>
-              <a:rPr lang="it-IT" sz="2400" dirty="0" err="1" smtClean="0"/>
-              <a:t>towards</a:t>
-            </a:r>
-            <a:r>
-              <a:rPr lang="it-IT" sz="2400" dirty="0" smtClean="0"/>
-              <a:t> </a:t>
-            </a:r>
-            <a:r>
-              <a:rPr lang="it-IT" sz="2400" dirty="0" err="1" smtClean="0"/>
-              <a:t>entityGroup</a:t>
+              <a:rPr lang="it-IT" sz="2400" dirty="0" smtClean="0"/>
+              <a:t>by ??????? </a:t>
+            </a:r>
+            <a:r>
+              <a:rPr lang="it-IT" sz="2400" dirty="0" err="1" smtClean="0"/>
+              <a:t>EntityGroup</a:t>
             </a:r>
             <a:r>
               <a:rPr lang="it-IT" sz="2400" dirty="0" smtClean="0"/>
@@ -10112,15 +10182,19 @@
             </a:r>
             <a:r>
               <a:rPr lang="it-IT" sz="2400" dirty="0" err="1" smtClean="0"/>
-              <a:t>entity</a:t>
-            </a:r>
-            <a:r>
-              <a:rPr lang="it-IT" sz="2400" dirty="0" smtClean="0"/>
-              <a:t> and </a:t>
-            </a:r>
-            <a:r>
-              <a:rPr lang="it-IT" sz="2400" dirty="0" err="1" smtClean="0"/>
-              <a:t>field</a:t>
+              <a:t>Entity</a:t>
+            </a:r>
+            <a:r>
+              <a:rPr lang="it-IT" sz="2400" dirty="0" smtClean="0"/>
+              <a:t> </a:t>
+            </a:r>
+            <a:r>
+              <a:rPr lang="it-IT" sz="2400" dirty="0" smtClean="0"/>
+              <a:t>and </a:t>
+            </a:r>
+            <a:r>
+              <a:rPr lang="it-IT" sz="2400" dirty="0" smtClean="0"/>
+              <a:t>Field</a:t>
             </a:r>
             <a:r>
               <a:rPr lang="it-IT" sz="2400" dirty="0" smtClean="0"/>
@@ -10181,8 +10255,17 @@
             </a:r>
             <a:r>
               <a:rPr lang="it-IT" sz="2400" dirty="0" smtClean="0"/>
-              <a:t> policy</a:t>
-            </a:r>
+              <a:t> </a:t>
+            </a:r>
+            <a:r>
+              <a:rPr lang="it-IT" sz="2400" dirty="0" err="1" smtClean="0"/>
+              <a:t>policies</a:t>
+            </a:r>
+            <a:r>
+              <a:rPr lang="it-IT" sz="2400" dirty="0" smtClean="0"/>
+              <a:t>:</a:t>
+            </a:r>
+            <a:endParaRPr lang="it-IT" sz="2400" dirty="0" smtClean="0"/>
           </a:p>
           <a:p>
             <a:pPr marL="285750" indent="-285750">
@@ -10561,24 +10644,40 @@
           <a:lstStyle/>
           <a:p>
             <a:r>
-              <a:rPr lang="it-IT" sz="2400" dirty="0" smtClean="0"/>
-              <a:t>The </a:t>
-            </a:r>
-            <a:r>
-              <a:rPr lang="it-IT" sz="2400" dirty="0" err="1" smtClean="0"/>
+              <a:rPr lang="it-IT" sz="2400" dirty="0" err="1"/>
+              <a:t>Swagger</a:t>
+            </a:r>
+            <a:r>
+              <a:rPr lang="it-IT" sz="2400" dirty="0"/>
+              <a:t> </a:t>
+            </a:r>
+            <a:r>
+              <a:rPr lang="it-IT" sz="2400" dirty="0" err="1" smtClean="0"/>
+              <a:t>is</a:t>
+            </a:r>
+            <a:r>
+              <a:rPr lang="it-IT" sz="2400" dirty="0" smtClean="0"/>
+              <a:t> the </a:t>
+            </a:r>
+            <a:r>
+              <a:rPr lang="it-IT" sz="2400" dirty="0" err="1"/>
+              <a:t>adopted</a:t>
+            </a:r>
+            <a:r>
+              <a:rPr lang="it-IT" sz="2400" dirty="0"/>
+              <a:t> </a:t>
+            </a:r>
+            <a:r>
+              <a:rPr lang="it-IT" sz="2400" dirty="0" err="1"/>
               <a:t>framework</a:t>
             </a:r>
             <a:r>
-              <a:rPr lang="it-IT" sz="2400" dirty="0" smtClean="0"/>
-              <a:t> </a:t>
-            </a:r>
-            <a:r>
-              <a:rPr lang="it-IT" sz="2400" dirty="0" err="1" smtClean="0"/>
-              <a:t>adopted</a:t>
-            </a:r>
-            <a:r>
-              <a:rPr lang="it-IT" sz="2400" dirty="0" smtClean="0"/>
-              <a:t> for </a:t>
+              <a:rPr lang="it-IT" sz="2400" dirty="0"/>
+              <a:t> </a:t>
+            </a:r>
+            <a:r>
+              <a:rPr lang="it-IT" sz="2400" dirty="0" smtClean="0"/>
+              <a:t>for </a:t>
             </a:r>
             <a:r>
               <a:rPr lang="it-IT" sz="2400" dirty="0" err="1" smtClean="0"/>
@@ -10586,27 +10685,11 @@
             </a:r>
             <a:r>
               <a:rPr lang="it-IT" sz="2400" dirty="0" smtClean="0"/>
-              <a:t> </a:t>
-            </a:r>
-            <a:r>
-              <a:rPr lang="it-IT" sz="2400" dirty="0" err="1" smtClean="0"/>
-              <a:t>is</a:t>
-            </a:r>
-            <a:r>
-              <a:rPr lang="it-IT" sz="2400" dirty="0" smtClean="0"/>
-              <a:t> </a:t>
-            </a:r>
-            <a:r>
-              <a:rPr lang="it-IT" sz="2400" dirty="0" err="1" smtClean="0"/>
-              <a:t>Swagger</a:t>
-            </a:r>
-            <a:r>
-              <a:rPr lang="it-IT" sz="2400" dirty="0" smtClean="0"/>
-              <a:t>, </a:t>
-            </a:r>
-            <a:r>
-              <a:rPr lang="it-IT" sz="2400" dirty="0" err="1" smtClean="0"/>
-              <a:t>which</a:t>
+              <a:t>. </a:t>
+            </a:r>
+            <a:r>
+              <a:rPr lang="it-IT" sz="2400" dirty="0" err="1" smtClean="0"/>
+              <a:t>It</a:t>
             </a:r>
             <a:r>
               <a:rPr lang="it-IT" sz="2400" dirty="0" smtClean="0"/>
@@ -10654,8 +10737,8 @@
               <a:t> REST </a:t>
             </a:r>
             <a:r>
-              <a:rPr lang="it-IT" sz="2400" dirty="0" err="1" smtClean="0"/>
-              <a:t>interface</a:t>
+              <a:rPr lang="it-IT" sz="2400" dirty="0" smtClean="0"/>
+              <a:t>API</a:t>
             </a:r>
             <a:endParaRPr lang="it-IT" sz="2400" dirty="0" smtClean="0"/>
           </a:p>
